--- a/ping-pong.pptx
+++ b/ping-pong.pptx
@@ -111,6 +111,11 @@
       </a:defRPr>
     </a:lvl9pPr>
   </p:defaultTextStyle>
+  <p:extLst>
+    <p:ext uri="{EFAFB233-063F-42B5-8137-9DF3F51BA10A}">
+      <p15:sldGuideLst xmlns:p15="http://schemas.microsoft.com/office/powerpoint/2012/main"/>
+    </p:ext>
+  </p:extLst>
 </p:presentation>
 </file>
 
@@ -261,7 +266,7 @@
           <a:p>
             <a:fld id="{ABA8B8AA-BE76-4397-A9DB-A4D3B8AFE523}" type="datetimeFigureOut">
               <a:rPr lang="ru-RU" smtClean="0"/>
-              <a:t>26.04.2023</a:t>
+              <a:t>27.04.2023</a:t>
             </a:fld>
             <a:endParaRPr lang="ru-RU"/>
           </a:p>
@@ -459,7 +464,7 @@
           <a:p>
             <a:fld id="{ABA8B8AA-BE76-4397-A9DB-A4D3B8AFE523}" type="datetimeFigureOut">
               <a:rPr lang="ru-RU" smtClean="0"/>
-              <a:t>26.04.2023</a:t>
+              <a:t>27.04.2023</a:t>
             </a:fld>
             <a:endParaRPr lang="ru-RU"/>
           </a:p>
@@ -667,7 +672,7 @@
           <a:p>
             <a:fld id="{ABA8B8AA-BE76-4397-A9DB-A4D3B8AFE523}" type="datetimeFigureOut">
               <a:rPr lang="ru-RU" smtClean="0"/>
-              <a:t>26.04.2023</a:t>
+              <a:t>27.04.2023</a:t>
             </a:fld>
             <a:endParaRPr lang="ru-RU"/>
           </a:p>
@@ -865,7 +870,7 @@
           <a:p>
             <a:fld id="{ABA8B8AA-BE76-4397-A9DB-A4D3B8AFE523}" type="datetimeFigureOut">
               <a:rPr lang="ru-RU" smtClean="0"/>
-              <a:t>26.04.2023</a:t>
+              <a:t>27.04.2023</a:t>
             </a:fld>
             <a:endParaRPr lang="ru-RU"/>
           </a:p>
@@ -1140,7 +1145,7 @@
           <a:p>
             <a:fld id="{ABA8B8AA-BE76-4397-A9DB-A4D3B8AFE523}" type="datetimeFigureOut">
               <a:rPr lang="ru-RU" smtClean="0"/>
-              <a:t>26.04.2023</a:t>
+              <a:t>27.04.2023</a:t>
             </a:fld>
             <a:endParaRPr lang="ru-RU"/>
           </a:p>
@@ -1405,7 +1410,7 @@
           <a:p>
             <a:fld id="{ABA8B8AA-BE76-4397-A9DB-A4D3B8AFE523}" type="datetimeFigureOut">
               <a:rPr lang="ru-RU" smtClean="0"/>
-              <a:t>26.04.2023</a:t>
+              <a:t>27.04.2023</a:t>
             </a:fld>
             <a:endParaRPr lang="ru-RU"/>
           </a:p>
@@ -1817,7 +1822,7 @@
           <a:p>
             <a:fld id="{ABA8B8AA-BE76-4397-A9DB-A4D3B8AFE523}" type="datetimeFigureOut">
               <a:rPr lang="ru-RU" smtClean="0"/>
-              <a:t>26.04.2023</a:t>
+              <a:t>27.04.2023</a:t>
             </a:fld>
             <a:endParaRPr lang="ru-RU"/>
           </a:p>
@@ -1958,7 +1963,7 @@
           <a:p>
             <a:fld id="{ABA8B8AA-BE76-4397-A9DB-A4D3B8AFE523}" type="datetimeFigureOut">
               <a:rPr lang="ru-RU" smtClean="0"/>
-              <a:t>26.04.2023</a:t>
+              <a:t>27.04.2023</a:t>
             </a:fld>
             <a:endParaRPr lang="ru-RU"/>
           </a:p>
@@ -2071,7 +2076,7 @@
           <a:p>
             <a:fld id="{ABA8B8AA-BE76-4397-A9DB-A4D3B8AFE523}" type="datetimeFigureOut">
               <a:rPr lang="ru-RU" smtClean="0"/>
-              <a:t>26.04.2023</a:t>
+              <a:t>27.04.2023</a:t>
             </a:fld>
             <a:endParaRPr lang="ru-RU"/>
           </a:p>
@@ -2382,7 +2387,7 @@
           <a:p>
             <a:fld id="{ABA8B8AA-BE76-4397-A9DB-A4D3B8AFE523}" type="datetimeFigureOut">
               <a:rPr lang="ru-RU" smtClean="0"/>
-              <a:t>26.04.2023</a:t>
+              <a:t>27.04.2023</a:t>
             </a:fld>
             <a:endParaRPr lang="ru-RU"/>
           </a:p>
@@ -2670,7 +2675,7 @@
           <a:p>
             <a:fld id="{ABA8B8AA-BE76-4397-A9DB-A4D3B8AFE523}" type="datetimeFigureOut">
               <a:rPr lang="ru-RU" smtClean="0"/>
-              <a:t>26.04.2023</a:t>
+              <a:t>27.04.2023</a:t>
             </a:fld>
             <a:endParaRPr lang="ru-RU"/>
           </a:p>
@@ -2911,7 +2916,7 @@
           <a:p>
             <a:fld id="{ABA8B8AA-BE76-4397-A9DB-A4D3B8AFE523}" type="datetimeFigureOut">
               <a:rPr lang="ru-RU" smtClean="0"/>
-              <a:t>26.04.2023</a:t>
+              <a:t>27.04.2023</a:t>
             </a:fld>
             <a:endParaRPr lang="ru-RU"/>
           </a:p>
@@ -4080,8 +4085,8 @@
         </p:nvSpPr>
         <p:spPr>
           <a:xfrm>
-            <a:off x="705035" y="1590347"/>
-            <a:ext cx="4065973" cy="646331"/>
+            <a:off x="721955" y="2040920"/>
+            <a:ext cx="4065973" cy="3693319"/>
           </a:xfrm>
           <a:prstGeom prst="rect">
             <a:avLst/>
@@ -4099,15 +4104,15 @@
           <a:p>
             <a:r>
               <a:rPr lang="ru-RU" dirty="0"/>
-              <a:t>Цель игры</a:t>
+              <a:t>Игровой процесс состоит в том, что игроки передвигают свои ракетки вертикально для защиты своих ворот. В начале каждого раунда мячик подаётся одному из игроков, и раунд продолжается до тех пор, пока один из игроков не заработает очко. Это происходит тогда, когда его противник не может отбить мячик. Со временем игры</a:t>
             </a:r>
             <a:r>
               <a:rPr lang="en-US" dirty="0"/>
-              <a:t>: </a:t>
+              <a:t>,</a:t>
             </a:r>
             <a:r>
               <a:rPr lang="ru-RU" dirty="0"/>
-              <a:t>забить другому игроку мяч</a:t>
+              <a:t> скорость движения мячика постепенно увеличивается, и так игра усложняется. </a:t>
             </a:r>
           </a:p>
         </p:txBody>
@@ -4142,7 +4147,7 @@
         </p:blipFill>
         <p:spPr>
           <a:xfrm>
-            <a:off x="5716780" y="1913512"/>
+            <a:off x="5716780" y="1869124"/>
             <a:ext cx="6097822" cy="3624263"/>
           </a:xfrm>
         </p:spPr>
@@ -4207,10 +4212,10 @@
       </p:sp>
       <p:pic>
         <p:nvPicPr>
-          <p:cNvPr id="8" name="Объект 7">
-            <a:extLst>
-              <a:ext uri="{FF2B5EF4-FFF2-40B4-BE49-F238E27FC236}">
-                <a16:creationId xmlns:a16="http://schemas.microsoft.com/office/drawing/2014/main" id="{58063E75-E440-4E48-85EE-424B73D17481}"/>
+          <p:cNvPr id="15" name="Объект 14">
+            <a:extLst>
+              <a:ext uri="{FF2B5EF4-FFF2-40B4-BE49-F238E27FC236}">
+                <a16:creationId xmlns:a16="http://schemas.microsoft.com/office/drawing/2014/main" id="{1E5CC806-8CDB-4847-A0E9-2F52265E047C}"/>
               </a:ext>
             </a:extLst>
           </p:cNvPr>
@@ -4229,8 +4234,8 @@
         </p:blipFill>
         <p:spPr>
           <a:xfrm>
-            <a:off x="2766064" y="1825625"/>
-            <a:ext cx="6659871" cy="4351338"/>
+            <a:off x="2548511" y="1825625"/>
+            <a:ext cx="7094977" cy="4351338"/>
           </a:xfrm>
           <a:prstGeom prst="rect">
             <a:avLst/>
@@ -4297,10 +4302,10 @@
       </p:sp>
       <p:pic>
         <p:nvPicPr>
-          <p:cNvPr id="14" name="Объект 13">
-            <a:extLst>
-              <a:ext uri="{FF2B5EF4-FFF2-40B4-BE49-F238E27FC236}">
-                <a16:creationId xmlns:a16="http://schemas.microsoft.com/office/drawing/2014/main" id="{1C8C86DE-094C-4FF7-B511-F807E27E5AEE}"/>
+          <p:cNvPr id="7" name="Объект 6">
+            <a:extLst>
+              <a:ext uri="{FF2B5EF4-FFF2-40B4-BE49-F238E27FC236}">
+                <a16:creationId xmlns:a16="http://schemas.microsoft.com/office/drawing/2014/main" id="{83602FCF-6E1B-4BDD-97DB-05449B769A1F}"/>
               </a:ext>
             </a:extLst>
           </p:cNvPr>
@@ -4319,8 +4324,8 @@
         </p:blipFill>
         <p:spPr>
           <a:xfrm>
-            <a:off x="3434021" y="1491735"/>
-            <a:ext cx="5942094" cy="5001140"/>
+            <a:off x="2967741" y="1825625"/>
+            <a:ext cx="6256518" cy="4351338"/>
           </a:xfrm>
           <a:prstGeom prst="rect">
             <a:avLst/>

--- a/ping-pong.pptx
+++ b/ping-pong.pptx
@@ -266,7 +266,7 @@
           <a:p>
             <a:fld id="{ABA8B8AA-BE76-4397-A9DB-A4D3B8AFE523}" type="datetimeFigureOut">
               <a:rPr lang="ru-RU" smtClean="0"/>
-              <a:t>27.04.2023</a:t>
+              <a:t>02.01.2024</a:t>
             </a:fld>
             <a:endParaRPr lang="ru-RU"/>
           </a:p>
@@ -464,7 +464,7 @@
           <a:p>
             <a:fld id="{ABA8B8AA-BE76-4397-A9DB-A4D3B8AFE523}" type="datetimeFigureOut">
               <a:rPr lang="ru-RU" smtClean="0"/>
-              <a:t>27.04.2023</a:t>
+              <a:t>02.01.2024</a:t>
             </a:fld>
             <a:endParaRPr lang="ru-RU"/>
           </a:p>
@@ -672,7 +672,7 @@
           <a:p>
             <a:fld id="{ABA8B8AA-BE76-4397-A9DB-A4D3B8AFE523}" type="datetimeFigureOut">
               <a:rPr lang="ru-RU" smtClean="0"/>
-              <a:t>27.04.2023</a:t>
+              <a:t>02.01.2024</a:t>
             </a:fld>
             <a:endParaRPr lang="ru-RU"/>
           </a:p>
@@ -870,7 +870,7 @@
           <a:p>
             <a:fld id="{ABA8B8AA-BE76-4397-A9DB-A4D3B8AFE523}" type="datetimeFigureOut">
               <a:rPr lang="ru-RU" smtClean="0"/>
-              <a:t>27.04.2023</a:t>
+              <a:t>02.01.2024</a:t>
             </a:fld>
             <a:endParaRPr lang="ru-RU"/>
           </a:p>
@@ -1145,7 +1145,7 @@
           <a:p>
             <a:fld id="{ABA8B8AA-BE76-4397-A9DB-A4D3B8AFE523}" type="datetimeFigureOut">
               <a:rPr lang="ru-RU" smtClean="0"/>
-              <a:t>27.04.2023</a:t>
+              <a:t>02.01.2024</a:t>
             </a:fld>
             <a:endParaRPr lang="ru-RU"/>
           </a:p>
@@ -1410,7 +1410,7 @@
           <a:p>
             <a:fld id="{ABA8B8AA-BE76-4397-A9DB-A4D3B8AFE523}" type="datetimeFigureOut">
               <a:rPr lang="ru-RU" smtClean="0"/>
-              <a:t>27.04.2023</a:t>
+              <a:t>02.01.2024</a:t>
             </a:fld>
             <a:endParaRPr lang="ru-RU"/>
           </a:p>
@@ -1822,7 +1822,7 @@
           <a:p>
             <a:fld id="{ABA8B8AA-BE76-4397-A9DB-A4D3B8AFE523}" type="datetimeFigureOut">
               <a:rPr lang="ru-RU" smtClean="0"/>
-              <a:t>27.04.2023</a:t>
+              <a:t>02.01.2024</a:t>
             </a:fld>
             <a:endParaRPr lang="ru-RU"/>
           </a:p>
@@ -1963,7 +1963,7 @@
           <a:p>
             <a:fld id="{ABA8B8AA-BE76-4397-A9DB-A4D3B8AFE523}" type="datetimeFigureOut">
               <a:rPr lang="ru-RU" smtClean="0"/>
-              <a:t>27.04.2023</a:t>
+              <a:t>02.01.2024</a:t>
             </a:fld>
             <a:endParaRPr lang="ru-RU"/>
           </a:p>
@@ -2076,7 +2076,7 @@
           <a:p>
             <a:fld id="{ABA8B8AA-BE76-4397-A9DB-A4D3B8AFE523}" type="datetimeFigureOut">
               <a:rPr lang="ru-RU" smtClean="0"/>
-              <a:t>27.04.2023</a:t>
+              <a:t>02.01.2024</a:t>
             </a:fld>
             <a:endParaRPr lang="ru-RU"/>
           </a:p>
@@ -2387,7 +2387,7 @@
           <a:p>
             <a:fld id="{ABA8B8AA-BE76-4397-A9DB-A4D3B8AFE523}" type="datetimeFigureOut">
               <a:rPr lang="ru-RU" smtClean="0"/>
-              <a:t>27.04.2023</a:t>
+              <a:t>02.01.2024</a:t>
             </a:fld>
             <a:endParaRPr lang="ru-RU"/>
           </a:p>
@@ -2675,7 +2675,7 @@
           <a:p>
             <a:fld id="{ABA8B8AA-BE76-4397-A9DB-A4D3B8AFE523}" type="datetimeFigureOut">
               <a:rPr lang="ru-RU" smtClean="0"/>
-              <a:t>27.04.2023</a:t>
+              <a:t>02.01.2024</a:t>
             </a:fld>
             <a:endParaRPr lang="ru-RU"/>
           </a:p>
@@ -2916,7 +2916,7 @@
           <a:p>
             <a:fld id="{ABA8B8AA-BE76-4397-A9DB-A4D3B8AFE523}" type="datetimeFigureOut">
               <a:rPr lang="ru-RU" smtClean="0"/>
-              <a:t>27.04.2023</a:t>
+              <a:t>02.01.2024</a:t>
             </a:fld>
             <a:endParaRPr lang="ru-RU"/>
           </a:p>
@@ -3443,7 +3443,19 @@
               <a:rPr lang="ru-RU" dirty="0">
                 <a:cs typeface="Times New Roman" panose="02020603050405020304" pitchFamily="18" charset="0"/>
               </a:rPr>
-              <a:t>Скопец. </a:t>
+              <a:t>Скопец</a:t>
+            </a:r>
+            <a:r>
+              <a:rPr lang="en-US" dirty="0">
+                <a:cs typeface="Times New Roman" panose="02020603050405020304" pitchFamily="18" charset="0"/>
+              </a:rPr>
+              <a:t> </a:t>
+            </a:r>
+            <a:r>
+              <a:rPr lang="ru-RU" dirty="0">
+                <a:cs typeface="Times New Roman" panose="02020603050405020304" pitchFamily="18" charset="0"/>
+              </a:rPr>
+              <a:t>Д. А. </a:t>
             </a:r>
           </a:p>
         </p:txBody>
@@ -3823,11 +3835,7 @@
             </a:r>
             <a:r>
               <a:rPr lang="en-US" dirty="0"/>
-              <a:t>, express, socket.io, </a:t>
-            </a:r>
-            <a:r>
-              <a:rPr lang="en-US" dirty="0" err="1"/>
-              <a:t>cors</a:t>
+              <a:t>, express, socket.io</a:t>
             </a:r>
             <a:endParaRPr lang="ru-RU" dirty="0"/>
           </a:p>
@@ -4086,7 +4094,7 @@
         <p:spPr>
           <a:xfrm>
             <a:off x="721955" y="2040920"/>
-            <a:ext cx="4065973" cy="3693319"/>
+            <a:ext cx="4065973" cy="3139321"/>
           </a:xfrm>
           <a:prstGeom prst="rect">
             <a:avLst/>
@@ -4099,20 +4107,9 @@
           </a:bodyPr>
           <a:lstStyle/>
           <a:p>
-            <a:endParaRPr lang="ru-RU" dirty="0"/>
-          </a:p>
-          <a:p>
             <a:r>
               <a:rPr lang="ru-RU" dirty="0"/>
-              <a:t>Игровой процесс состоит в том, что игроки передвигают свои ракетки вертикально для защиты своих ворот. В начале каждого раунда мячик подаётся одному из игроков, и раунд продолжается до тех пор, пока один из игроков не заработает очко. Это происходит тогда, когда его противник не может отбить мячик. Со временем игры</a:t>
-            </a:r>
-            <a:r>
-              <a:rPr lang="en-US" dirty="0"/>
-              <a:t>,</a:t>
-            </a:r>
-            <a:r>
-              <a:rPr lang="ru-RU" dirty="0"/>
-              <a:t> скорость движения мячика постепенно увеличивается, и так игра усложняется. </a:t>
+              <a:t>Игровой процесс состоит в том, что игроки передвигают свои ракетки вертикально для защиты своих ворот. В начале каждого раунда мячик подаётся одному из игроков, и раунд продолжается до тех пор, пока один из игроков не заработает очко. Это происходит тогда, когда его противник не может отбить мячик. Чем дольше ни один из игроков не забивает мяч, тем больше скорость мяча</a:t>
             </a:r>
           </a:p>
         </p:txBody>
